--- a/instructors/05-All_about_planning.pptx
+++ b/instructors/05-All_about_planning.pptx
@@ -211,7 +211,7 @@
           <a:p>
             <a:fld id="{585C48AE-4A1E-9A43-835F-510354165F99}" type="datetimeFigureOut">
               <a:rPr lang="en-GB" smtClean="0"/>
-              <a:t>14/12/2022</a:t>
+              <a:t>16/12/2022</a:t>
             </a:fld>
             <a:endParaRPr lang="en-GB"/>
           </a:p>
@@ -885,7 +885,7 @@
           <a:p>
             <a:fld id="{5913FB77-D8DB-4AB9-8EA5-EE8C3B57A5E1}" type="datetimeFigureOut">
               <a:rPr lang="en-GB" smtClean="0"/>
-              <a:t>14/12/2022</a:t>
+              <a:t>16/12/2022</a:t>
             </a:fld>
             <a:endParaRPr lang="en-GB"/>
           </a:p>
@@ -1085,7 +1085,7 @@
           <a:p>
             <a:fld id="{5913FB77-D8DB-4AB9-8EA5-EE8C3B57A5E1}" type="datetimeFigureOut">
               <a:rPr lang="en-GB" smtClean="0"/>
-              <a:t>14/12/2022</a:t>
+              <a:t>16/12/2022</a:t>
             </a:fld>
             <a:endParaRPr lang="en-GB"/>
           </a:p>
@@ -1295,7 +1295,7 @@
           <a:p>
             <a:fld id="{5913FB77-D8DB-4AB9-8EA5-EE8C3B57A5E1}" type="datetimeFigureOut">
               <a:rPr lang="en-GB" smtClean="0"/>
-              <a:t>14/12/2022</a:t>
+              <a:t>16/12/2022</a:t>
             </a:fld>
             <a:endParaRPr lang="en-GB"/>
           </a:p>
@@ -1495,7 +1495,7 @@
           <a:p>
             <a:fld id="{5913FB77-D8DB-4AB9-8EA5-EE8C3B57A5E1}" type="datetimeFigureOut">
               <a:rPr lang="en-GB" smtClean="0"/>
-              <a:t>14/12/2022</a:t>
+              <a:t>16/12/2022</a:t>
             </a:fld>
             <a:endParaRPr lang="en-GB"/>
           </a:p>
@@ -1771,7 +1771,7 @@
           <a:p>
             <a:fld id="{5913FB77-D8DB-4AB9-8EA5-EE8C3B57A5E1}" type="datetimeFigureOut">
               <a:rPr lang="en-GB" smtClean="0"/>
-              <a:t>14/12/2022</a:t>
+              <a:t>16/12/2022</a:t>
             </a:fld>
             <a:endParaRPr lang="en-GB"/>
           </a:p>
@@ -2039,7 +2039,7 @@
           <a:p>
             <a:fld id="{5913FB77-D8DB-4AB9-8EA5-EE8C3B57A5E1}" type="datetimeFigureOut">
               <a:rPr lang="en-GB" smtClean="0"/>
-              <a:t>14/12/2022</a:t>
+              <a:t>16/12/2022</a:t>
             </a:fld>
             <a:endParaRPr lang="en-GB"/>
           </a:p>
@@ -2454,7 +2454,7 @@
           <a:p>
             <a:fld id="{5913FB77-D8DB-4AB9-8EA5-EE8C3B57A5E1}" type="datetimeFigureOut">
               <a:rPr lang="en-GB" smtClean="0"/>
-              <a:t>14/12/2022</a:t>
+              <a:t>16/12/2022</a:t>
             </a:fld>
             <a:endParaRPr lang="en-GB"/>
           </a:p>
@@ -2596,7 +2596,7 @@
           <a:p>
             <a:fld id="{5913FB77-D8DB-4AB9-8EA5-EE8C3B57A5E1}" type="datetimeFigureOut">
               <a:rPr lang="en-GB" smtClean="0"/>
-              <a:t>14/12/2022</a:t>
+              <a:t>16/12/2022</a:t>
             </a:fld>
             <a:endParaRPr lang="en-GB"/>
           </a:p>
@@ -2709,7 +2709,7 @@
           <a:p>
             <a:fld id="{5913FB77-D8DB-4AB9-8EA5-EE8C3B57A5E1}" type="datetimeFigureOut">
               <a:rPr lang="en-GB" smtClean="0"/>
-              <a:t>14/12/2022</a:t>
+              <a:t>16/12/2022</a:t>
             </a:fld>
             <a:endParaRPr lang="en-GB"/>
           </a:p>
@@ -3022,7 +3022,7 @@
           <a:p>
             <a:fld id="{5913FB77-D8DB-4AB9-8EA5-EE8C3B57A5E1}" type="datetimeFigureOut">
               <a:rPr lang="en-GB" smtClean="0"/>
-              <a:t>14/12/2022</a:t>
+              <a:t>16/12/2022</a:t>
             </a:fld>
             <a:endParaRPr lang="en-GB"/>
           </a:p>
@@ -3311,7 +3311,7 @@
           <a:p>
             <a:fld id="{5913FB77-D8DB-4AB9-8EA5-EE8C3B57A5E1}" type="datetimeFigureOut">
               <a:rPr lang="en-GB" smtClean="0"/>
-              <a:t>14/12/2022</a:t>
+              <a:t>16/12/2022</a:t>
             </a:fld>
             <a:endParaRPr lang="en-GB"/>
           </a:p>
@@ -3554,7 +3554,7 @@
           <a:p>
             <a:fld id="{5913FB77-D8DB-4AB9-8EA5-EE8C3B57A5E1}" type="datetimeFigureOut">
               <a:rPr lang="en-GB" smtClean="0"/>
-              <a:t>14/12/2022</a:t>
+              <a:t>16/12/2022</a:t>
             </a:fld>
             <a:endParaRPr lang="en-GB"/>
           </a:p>
@@ -4972,7 +4972,23 @@
                   <a:srgbClr val="0070C0"/>
                 </a:solidFill>
               </a:rPr>
-              <a:t>it look as if the author(s) thought what they would do with their data or is it some ‘whatever’ copy pasted text</a:t>
+              <a:t>it look as if the author(s) thought what they would do with their data or is it some ‘whatever’ </a:t>
+            </a:r>
+            <a:r>
+              <a:rPr lang="en-GB" sz="2800" dirty="0" smtClean="0">
+                <a:solidFill>
+                  <a:srgbClr val="0070C0"/>
+                </a:solidFill>
+              </a:rPr>
+              <a:t>copy-pasted </a:t>
+            </a:r>
+            <a:r>
+              <a:rPr lang="en-GB" sz="2800" dirty="0">
+                <a:solidFill>
+                  <a:srgbClr val="0070C0"/>
+                </a:solidFill>
+              </a:rPr>
+              <a:t>text</a:t>
             </a:r>
           </a:p>
           <a:p>
@@ -4993,7 +5009,23 @@
                   <a:srgbClr val="0070C0"/>
                 </a:solidFill>
               </a:rPr>
-              <a:t>it look as if the data will be stored in a secured way</a:t>
+              <a:t>it look as if the data will be stored in a </a:t>
+            </a:r>
+            <a:r>
+              <a:rPr lang="en-GB" sz="2800" dirty="0" smtClean="0">
+                <a:solidFill>
+                  <a:srgbClr val="0070C0"/>
+                </a:solidFill>
+              </a:rPr>
+              <a:t>secure </a:t>
+            </a:r>
+            <a:r>
+              <a:rPr lang="en-GB" sz="2800" dirty="0">
+                <a:solidFill>
+                  <a:srgbClr val="0070C0"/>
+                </a:solidFill>
+              </a:rPr>
+              <a:t>way</a:t>
             </a:r>
           </a:p>
           <a:p>
@@ -5085,8 +5117,21 @@
                   <a:srgbClr val="0070C0"/>
                 </a:solidFill>
               </a:rPr>
-              <a:t>the usage restrictions justifiable</a:t>
-            </a:r>
+              <a:t>the usage restrictions </a:t>
+            </a:r>
+            <a:r>
+              <a:rPr lang="en-GB" sz="2800" dirty="0" smtClean="0">
+                <a:solidFill>
+                  <a:srgbClr val="0070C0"/>
+                </a:solidFill>
+              </a:rPr>
+              <a:t>justified</a:t>
+            </a:r>
+            <a:endParaRPr lang="en-GB" sz="2800" dirty="0">
+              <a:solidFill>
+                <a:srgbClr val="0070C0"/>
+              </a:solidFill>
+            </a:endParaRPr>
           </a:p>
           <a:p>
             <a:pPr marL="514350" indent="-514350">
@@ -5483,7 +5528,7 @@
                 <a14:useLocalDpi xmlns:a14="http://schemas.microsoft.com/office/drawing/2010/main" val="0"/>
               </a:ext>
               <a:ext uri="{96DAC541-7B7A-43D3-8B79-37D633B846F1}">
-                <asvg:svgBlip xmlns="" xmlns:asvg="http://schemas.microsoft.com/office/drawing/2016/SVG/main" r:embed="rId4"/>
+                <asvg:svgBlip xmlns:asvg="http://schemas.microsoft.com/office/drawing/2016/SVG/main" xmlns="" r:embed="rId4"/>
               </a:ext>
             </a:extLst>
           </a:blip>
@@ -5606,7 +5651,7 @@
           <a:effectLst/>
           <a:extLst>
             <a:ext uri="{AF507438-7753-43e0-B8FC-AC1667EBCBE1}">
-              <a14:hiddenEffects xmlns:a14="http://schemas.microsoft.com/office/drawing/2010/main" xmlns="">
+              <a14:hiddenEffects xmlns="" xmlns:a14="http://schemas.microsoft.com/office/drawing/2010/main">
                 <a:effectLst>
                   <a:outerShdw dist="35921" dir="2700000" algn="ctr" rotWithShape="0">
                     <a:schemeClr val="bg2"/>
@@ -5937,7 +5982,7 @@
             <a:effectLst/>
             <a:extLst>
               <a:ext uri="{AF507438-7753-43e0-B8FC-AC1667EBCBE1}">
-                <a14:hiddenEffects xmlns:a14="http://schemas.microsoft.com/office/drawing/2010/main" xmlns="">
+                <a14:hiddenEffects xmlns="" xmlns:a14="http://schemas.microsoft.com/office/drawing/2010/main">
                   <a:effectLst>
                     <a:outerShdw dist="35921" dir="2700000" algn="ctr" rotWithShape="0">
                       <a:schemeClr val="bg2"/>
@@ -5999,7 +6044,7 @@
             <a:effectLst/>
             <a:extLst>
               <a:ext uri="{AF507438-7753-43e0-B8FC-AC1667EBCBE1}">
-                <a14:hiddenEffects xmlns:a14="http://schemas.microsoft.com/office/drawing/2010/main" xmlns="">
+                <a14:hiddenEffects xmlns="" xmlns:a14="http://schemas.microsoft.com/office/drawing/2010/main">
                   <a:effectLst>
                     <a:outerShdw dist="35921" dir="2700000" algn="ctr" rotWithShape="0">
                       <a:schemeClr val="bg2"/>
@@ -6076,7 +6121,7 @@
             <a:effectLst/>
             <a:extLst>
               <a:ext uri="{AF507438-7753-43e0-B8FC-AC1667EBCBE1}">
-                <a14:hiddenEffects xmlns:a14="http://schemas.microsoft.com/office/drawing/2010/main" xmlns="">
+                <a14:hiddenEffects xmlns="" xmlns:a14="http://schemas.microsoft.com/office/drawing/2010/main">
                   <a:effectLst>
                     <a:outerShdw dist="35921" dir="2700000" algn="ctr" rotWithShape="0">
                       <a:schemeClr val="bg2"/>
@@ -6138,7 +6183,7 @@
             <a:effectLst/>
             <a:extLst>
               <a:ext uri="{AF507438-7753-43e0-B8FC-AC1667EBCBE1}">
-                <a14:hiddenEffects xmlns:a14="http://schemas.microsoft.com/office/drawing/2010/main" xmlns="">
+                <a14:hiddenEffects xmlns="" xmlns:a14="http://schemas.microsoft.com/office/drawing/2010/main">
                   <a:effectLst>
                     <a:outerShdw dist="35921" dir="2700000" algn="ctr" rotWithShape="0">
                       <a:schemeClr val="bg2"/>
@@ -7371,7 +7416,7 @@
           <a:effectLst/>
           <a:extLst>
             <a:ext uri="{AF507438-7753-43e0-B8FC-AC1667EBCBE1}">
-              <a14:hiddenEffects xmlns:a14="http://schemas.microsoft.com/office/drawing/2010/main" xmlns="">
+              <a14:hiddenEffects xmlns="" xmlns:a14="http://schemas.microsoft.com/office/drawing/2010/main">
                 <a:effectLst>
                   <a:outerShdw dist="35921" dir="2700000" algn="ctr" rotWithShape="0">
                     <a:schemeClr val="bg2"/>

--- a/instructors/05-All_about_planning.pptx
+++ b/instructors/05-All_about_planning.pptx
@@ -17,9 +17,9 @@
     <p:sldId id="273" r:id="rId8"/>
     <p:sldId id="347" r:id="rId9"/>
     <p:sldId id="258" r:id="rId10"/>
-    <p:sldId id="269" r:id="rId11"/>
-    <p:sldId id="348" r:id="rId12"/>
-    <p:sldId id="350" r:id="rId13"/>
+    <p:sldId id="348" r:id="rId11"/>
+    <p:sldId id="350" r:id="rId12"/>
+    <p:sldId id="269" r:id="rId13"/>
     <p:sldId id="349" r:id="rId14"/>
     <p:sldId id="268" r:id="rId15"/>
     <p:sldId id="319" r:id="rId16"/>
@@ -211,7 +211,7 @@
           <a:p>
             <a:fld id="{585C48AE-4A1E-9A43-835F-510354165F99}" type="datetimeFigureOut">
               <a:rPr lang="en-GB" smtClean="0"/>
-              <a:t>16/12/2022</a:t>
+              <a:t>15/01/2024</a:t>
             </a:fld>
             <a:endParaRPr lang="en-GB"/>
           </a:p>
@@ -885,7 +885,7 @@
           <a:p>
             <a:fld id="{5913FB77-D8DB-4AB9-8EA5-EE8C3B57A5E1}" type="datetimeFigureOut">
               <a:rPr lang="en-GB" smtClean="0"/>
-              <a:t>16/12/2022</a:t>
+              <a:t>15/01/2024</a:t>
             </a:fld>
             <a:endParaRPr lang="en-GB"/>
           </a:p>
@@ -1085,7 +1085,7 @@
           <a:p>
             <a:fld id="{5913FB77-D8DB-4AB9-8EA5-EE8C3B57A5E1}" type="datetimeFigureOut">
               <a:rPr lang="en-GB" smtClean="0"/>
-              <a:t>16/12/2022</a:t>
+              <a:t>15/01/2024</a:t>
             </a:fld>
             <a:endParaRPr lang="en-GB"/>
           </a:p>
@@ -1295,7 +1295,7 @@
           <a:p>
             <a:fld id="{5913FB77-D8DB-4AB9-8EA5-EE8C3B57A5E1}" type="datetimeFigureOut">
               <a:rPr lang="en-GB" smtClean="0"/>
-              <a:t>16/12/2022</a:t>
+              <a:t>15/01/2024</a:t>
             </a:fld>
             <a:endParaRPr lang="en-GB"/>
           </a:p>
@@ -1495,7 +1495,7 @@
           <a:p>
             <a:fld id="{5913FB77-D8DB-4AB9-8EA5-EE8C3B57A5E1}" type="datetimeFigureOut">
               <a:rPr lang="en-GB" smtClean="0"/>
-              <a:t>16/12/2022</a:t>
+              <a:t>15/01/2024</a:t>
             </a:fld>
             <a:endParaRPr lang="en-GB"/>
           </a:p>
@@ -1771,7 +1771,7 @@
           <a:p>
             <a:fld id="{5913FB77-D8DB-4AB9-8EA5-EE8C3B57A5E1}" type="datetimeFigureOut">
               <a:rPr lang="en-GB" smtClean="0"/>
-              <a:t>16/12/2022</a:t>
+              <a:t>15/01/2024</a:t>
             </a:fld>
             <a:endParaRPr lang="en-GB"/>
           </a:p>
@@ -2039,7 +2039,7 @@
           <a:p>
             <a:fld id="{5913FB77-D8DB-4AB9-8EA5-EE8C3B57A5E1}" type="datetimeFigureOut">
               <a:rPr lang="en-GB" smtClean="0"/>
-              <a:t>16/12/2022</a:t>
+              <a:t>15/01/2024</a:t>
             </a:fld>
             <a:endParaRPr lang="en-GB"/>
           </a:p>
@@ -2454,7 +2454,7 @@
           <a:p>
             <a:fld id="{5913FB77-D8DB-4AB9-8EA5-EE8C3B57A5E1}" type="datetimeFigureOut">
               <a:rPr lang="en-GB" smtClean="0"/>
-              <a:t>16/12/2022</a:t>
+              <a:t>15/01/2024</a:t>
             </a:fld>
             <a:endParaRPr lang="en-GB"/>
           </a:p>
@@ -2596,7 +2596,7 @@
           <a:p>
             <a:fld id="{5913FB77-D8DB-4AB9-8EA5-EE8C3B57A5E1}" type="datetimeFigureOut">
               <a:rPr lang="en-GB" smtClean="0"/>
-              <a:t>16/12/2022</a:t>
+              <a:t>15/01/2024</a:t>
             </a:fld>
             <a:endParaRPr lang="en-GB"/>
           </a:p>
@@ -2709,7 +2709,7 @@
           <a:p>
             <a:fld id="{5913FB77-D8DB-4AB9-8EA5-EE8C3B57A5E1}" type="datetimeFigureOut">
               <a:rPr lang="en-GB" smtClean="0"/>
-              <a:t>16/12/2022</a:t>
+              <a:t>15/01/2024</a:t>
             </a:fld>
             <a:endParaRPr lang="en-GB"/>
           </a:p>
@@ -3022,7 +3022,7 @@
           <a:p>
             <a:fld id="{5913FB77-D8DB-4AB9-8EA5-EE8C3B57A5E1}" type="datetimeFigureOut">
               <a:rPr lang="en-GB" smtClean="0"/>
-              <a:t>16/12/2022</a:t>
+              <a:t>15/01/2024</a:t>
             </a:fld>
             <a:endParaRPr lang="en-GB"/>
           </a:p>
@@ -3311,7 +3311,7 @@
           <a:p>
             <a:fld id="{5913FB77-D8DB-4AB9-8EA5-EE8C3B57A5E1}" type="datetimeFigureOut">
               <a:rPr lang="en-GB" smtClean="0"/>
-              <a:t>16/12/2022</a:t>
+              <a:t>15/01/2024</a:t>
             </a:fld>
             <a:endParaRPr lang="en-GB"/>
           </a:p>
@@ -3554,7 +3554,7 @@
           <a:p>
             <a:fld id="{5913FB77-D8DB-4AB9-8EA5-EE8C3B57A5E1}" type="datetimeFigureOut">
               <a:rPr lang="en-GB" smtClean="0"/>
-              <a:t>16/12/2022</a:t>
+              <a:t>15/01/2024</a:t>
             </a:fld>
             <a:endParaRPr lang="en-GB"/>
           </a:p>
@@ -3993,18 +3993,13 @@
           <a:lstStyle/>
           <a:p>
             <a:r>
-              <a:rPr lang="en-GB" sz="6000" dirty="0" smtClean="0">
+              <a:rPr lang="en-GB" sz="6000" dirty="0">
                 <a:solidFill>
                   <a:srgbClr val="0070C0"/>
                 </a:solidFill>
               </a:rPr>
               <a:t>It is all about planning</a:t>
             </a:r>
-            <a:endParaRPr lang="en-GB" sz="6000" dirty="0">
-              <a:solidFill>
-                <a:srgbClr val="0070C0"/>
-              </a:solidFill>
-            </a:endParaRPr>
           </a:p>
         </p:txBody>
       </p:sp>
@@ -4018,17 +4013,446 @@
   <p:clrMapOvr>
     <a:masterClrMapping/>
   </p:clrMapOvr>
-  <p:timing>
-    <p:tnLst>
-      <p:par>
-        <p:cTn id="1" dur="indefinite" restart="never" nodeType="tmRoot"/>
-      </p:par>
-    </p:tnLst>
-  </p:timing>
 </p:sld>
 </file>
 
 <file path=ppt/slides/slide10.xml><?xml version="1.0" encoding="utf-8"?>
+<p:sld xmlns:a="http://schemas.openxmlformats.org/drawingml/2006/main" xmlns:r="http://schemas.openxmlformats.org/officeDocument/2006/relationships" xmlns:p="http://schemas.openxmlformats.org/presentationml/2006/main">
+  <p:cSld>
+    <p:spTree>
+      <p:nvGrpSpPr>
+        <p:cNvPr id="1" name=""/>
+        <p:cNvGrpSpPr/>
+        <p:nvPr/>
+      </p:nvGrpSpPr>
+      <p:grpSpPr>
+        <a:xfrm>
+          <a:off x="0" y="0"/>
+          <a:ext cx="0" cy="0"/>
+          <a:chOff x="0" y="0"/>
+          <a:chExt cx="0" cy="0"/>
+        </a:xfrm>
+      </p:grpSpPr>
+      <p:sp>
+        <p:nvSpPr>
+          <p:cNvPr id="5" name="TextBox 4">
+            <a:extLst>
+              <a:ext uri="{FF2B5EF4-FFF2-40B4-BE49-F238E27FC236}">
+                <a16:creationId xmlns:a16="http://schemas.microsoft.com/office/drawing/2014/main" id="{3A7A1F5C-9C70-4DE3-BA39-7835B2935EB3}"/>
+              </a:ext>
+            </a:extLst>
+          </p:cNvPr>
+          <p:cNvSpPr txBox="1"/>
+          <p:nvPr/>
+        </p:nvSpPr>
+        <p:spPr>
+          <a:xfrm>
+            <a:off x="515880" y="488425"/>
+            <a:ext cx="9464530" cy="1200329"/>
+          </a:xfrm>
+          <a:prstGeom prst="rect">
+            <a:avLst/>
+          </a:prstGeom>
+          <a:noFill/>
+        </p:spPr>
+        <p:txBody>
+          <a:bodyPr wrap="square">
+            <a:spAutoFit/>
+          </a:bodyPr>
+          <a:lstStyle/>
+          <a:p>
+            <a:r>
+              <a:rPr lang="pl-PL" sz="3600">
+                <a:solidFill>
+                  <a:srgbClr val="0070C0"/>
+                </a:solidFill>
+              </a:rPr>
+              <a:t>DMP </a:t>
+            </a:r>
+            <a:r>
+              <a:rPr lang="pl-PL" sz="3600" err="1">
+                <a:solidFill>
+                  <a:srgbClr val="0070C0"/>
+                </a:solidFill>
+              </a:rPr>
+              <a:t>example</a:t>
+            </a:r>
+            <a:endParaRPr lang="en-GB" sz="3600">
+              <a:solidFill>
+                <a:srgbClr val="0070C0"/>
+              </a:solidFill>
+            </a:endParaRPr>
+          </a:p>
+          <a:p>
+            <a:pPr algn="ctr"/>
+            <a:endParaRPr lang="en-GB" sz="3600">
+              <a:solidFill>
+                <a:srgbClr val="0070C0"/>
+              </a:solidFill>
+            </a:endParaRPr>
+          </a:p>
+        </p:txBody>
+      </p:sp>
+      <p:pic>
+        <p:nvPicPr>
+          <p:cNvPr id="4" name="Picture 2" descr="Ed_DaSH">
+            <a:extLst>
+              <a:ext uri="{FF2B5EF4-FFF2-40B4-BE49-F238E27FC236}">
+                <a16:creationId xmlns:a16="http://schemas.microsoft.com/office/drawing/2014/main" id="{A783256F-E39E-4712-96B0-240BD611CFEB}"/>
+              </a:ext>
+            </a:extLst>
+          </p:cNvPr>
+          <p:cNvPicPr>
+            <a:picLocks noChangeAspect="1" noChangeArrowheads="1"/>
+          </p:cNvPicPr>
+          <p:nvPr/>
+        </p:nvPicPr>
+        <p:blipFill>
+          <a:blip r:embed="rId2" cstate="hqprint">
+            <a:extLst>
+              <a:ext uri="{28A0092B-C50C-407E-A947-70E740481C1C}">
+                <a14:useLocalDpi xmlns:a14="http://schemas.microsoft.com/office/drawing/2010/main" val="0"/>
+              </a:ext>
+            </a:extLst>
+          </a:blip>
+          <a:srcRect/>
+          <a:stretch>
+            <a:fillRect/>
+          </a:stretch>
+        </p:blipFill>
+        <p:spPr bwMode="auto">
+          <a:xfrm>
+            <a:off x="10820670" y="5458691"/>
+            <a:ext cx="1289214" cy="1325418"/>
+          </a:xfrm>
+          <a:prstGeom prst="rect">
+            <a:avLst/>
+          </a:prstGeom>
+          <a:noFill/>
+          <a:extLst>
+            <a:ext uri="{909E8E84-426E-40DD-AFC4-6F175D3DCCD1}">
+              <a14:hiddenFill xmlns:a14="http://schemas.microsoft.com/office/drawing/2010/main">
+                <a:solidFill>
+                  <a:srgbClr val="FFFFFF"/>
+                </a:solidFill>
+              </a14:hiddenFill>
+            </a:ext>
+          </a:extLst>
+        </p:spPr>
+      </p:pic>
+      <p:sp>
+        <p:nvSpPr>
+          <p:cNvPr id="8" name="TextBox 4">
+            <a:extLst>
+              <a:ext uri="{FF2B5EF4-FFF2-40B4-BE49-F238E27FC236}">
+                <a16:creationId xmlns:a16="http://schemas.microsoft.com/office/drawing/2014/main" id="{2306CDBA-40E8-47EF-BA31-D30AAE7E4873}"/>
+              </a:ext>
+            </a:extLst>
+          </p:cNvPr>
+          <p:cNvSpPr txBox="1"/>
+          <p:nvPr/>
+        </p:nvSpPr>
+        <p:spPr>
+          <a:xfrm>
+            <a:off x="2911181" y="2150463"/>
+            <a:ext cx="5661319" cy="523220"/>
+          </a:xfrm>
+          <a:prstGeom prst="rect">
+            <a:avLst/>
+          </a:prstGeom>
+          <a:noFill/>
+        </p:spPr>
+        <p:txBody>
+          <a:bodyPr wrap="square">
+            <a:spAutoFit/>
+          </a:bodyPr>
+          <a:lstStyle/>
+          <a:p>
+            <a:r>
+              <a:rPr lang="en-GB" sz="2800" dirty="0">
+                <a:solidFill>
+                  <a:srgbClr val="0070C0"/>
+                </a:solidFill>
+                <a:hlinkClick r:id="rId3"/>
+              </a:rPr>
+              <a:t>https://www.wiki.ed.ac.uk/x/yesNGQ</a:t>
+            </a:r>
+            <a:endParaRPr lang="en-GB" sz="2800" dirty="0">
+              <a:solidFill>
+                <a:srgbClr val="0070C0"/>
+              </a:solidFill>
+            </a:endParaRPr>
+          </a:p>
+        </p:txBody>
+      </p:sp>
+      <p:sp>
+        <p:nvSpPr>
+          <p:cNvPr id="6" name="TextBox 4">
+            <a:extLst>
+              <a:ext uri="{FF2B5EF4-FFF2-40B4-BE49-F238E27FC236}">
+                <a16:creationId xmlns:a16="http://schemas.microsoft.com/office/drawing/2014/main" id="{2306CDBA-40E8-47EF-BA31-D30AAE7E4873}"/>
+              </a:ext>
+            </a:extLst>
+          </p:cNvPr>
+          <p:cNvSpPr txBox="1"/>
+          <p:nvPr/>
+        </p:nvSpPr>
+        <p:spPr>
+          <a:xfrm>
+            <a:off x="956284" y="3981714"/>
+            <a:ext cx="10614453" cy="1815882"/>
+          </a:xfrm>
+          <a:prstGeom prst="rect">
+            <a:avLst/>
+          </a:prstGeom>
+          <a:noFill/>
+        </p:spPr>
+        <p:txBody>
+          <a:bodyPr wrap="square">
+            <a:spAutoFit/>
+          </a:bodyPr>
+          <a:lstStyle/>
+          <a:p>
+            <a:pPr marL="514350" indent="-514350">
+              <a:buAutoNum type="arabicPeriod"/>
+            </a:pPr>
+            <a:r>
+              <a:rPr lang="en-GB" sz="2800" dirty="0">
+                <a:solidFill>
+                  <a:srgbClr val="0070C0"/>
+                </a:solidFill>
+              </a:rPr>
+              <a:t>What type of data will be acquire during the research</a:t>
+            </a:r>
+          </a:p>
+          <a:p>
+            <a:pPr marL="514350" indent="-514350">
+              <a:buAutoNum type="arabicPeriod"/>
+            </a:pPr>
+            <a:r>
+              <a:rPr lang="en-GB" sz="2800" dirty="0">
+                <a:solidFill>
+                  <a:srgbClr val="0070C0"/>
+                </a:solidFill>
+              </a:rPr>
+              <a:t>How will the data be stored</a:t>
+            </a:r>
+          </a:p>
+          <a:p>
+            <a:pPr marL="514350" indent="-514350">
+              <a:buAutoNum type="arabicPeriod"/>
+            </a:pPr>
+            <a:r>
+              <a:rPr lang="en-GB" sz="2800" dirty="0">
+                <a:solidFill>
+                  <a:srgbClr val="0070C0"/>
+                </a:solidFill>
+              </a:rPr>
+              <a:t>How will the data be shared  === target repositories, standards </a:t>
+            </a:r>
+          </a:p>
+          <a:p>
+            <a:pPr marL="514350" indent="-514350">
+              <a:buAutoNum type="arabicPeriod"/>
+            </a:pPr>
+            <a:endParaRPr lang="en-GB" sz="2800" dirty="0">
+              <a:solidFill>
+                <a:srgbClr val="0070C0"/>
+              </a:solidFill>
+            </a:endParaRPr>
+          </a:p>
+        </p:txBody>
+      </p:sp>
+    </p:spTree>
+    <p:extLst>
+      <p:ext uri="{BB962C8B-B14F-4D97-AF65-F5344CB8AC3E}">
+        <p14:creationId xmlns:p14="http://schemas.microsoft.com/office/powerpoint/2010/main" val="216740993"/>
+      </p:ext>
+    </p:extLst>
+  </p:cSld>
+  <p:clrMapOvr>
+    <a:masterClrMapping/>
+  </p:clrMapOvr>
+</p:sld>
+</file>
+
+<file path=ppt/slides/slide11.xml><?xml version="1.0" encoding="utf-8"?>
+<p:sld xmlns:a="http://schemas.openxmlformats.org/drawingml/2006/main" xmlns:r="http://schemas.openxmlformats.org/officeDocument/2006/relationships" xmlns:p="http://schemas.openxmlformats.org/presentationml/2006/main">
+  <p:cSld>
+    <p:spTree>
+      <p:nvGrpSpPr>
+        <p:cNvPr id="1" name=""/>
+        <p:cNvGrpSpPr/>
+        <p:nvPr/>
+      </p:nvGrpSpPr>
+      <p:grpSpPr>
+        <a:xfrm>
+          <a:off x="0" y="0"/>
+          <a:ext cx="0" cy="0"/>
+          <a:chOff x="0" y="0"/>
+          <a:chExt cx="0" cy="0"/>
+        </a:xfrm>
+      </p:grpSpPr>
+      <p:sp>
+        <p:nvSpPr>
+          <p:cNvPr id="5" name="TextBox 4">
+            <a:extLst>
+              <a:ext uri="{FF2B5EF4-FFF2-40B4-BE49-F238E27FC236}">
+                <a16:creationId xmlns:a16="http://schemas.microsoft.com/office/drawing/2014/main" id="{3A7A1F5C-9C70-4DE3-BA39-7835B2935EB3}"/>
+              </a:ext>
+            </a:extLst>
+          </p:cNvPr>
+          <p:cNvSpPr txBox="1"/>
+          <p:nvPr/>
+        </p:nvSpPr>
+        <p:spPr>
+          <a:xfrm>
+            <a:off x="515880" y="488425"/>
+            <a:ext cx="9464530" cy="1200329"/>
+          </a:xfrm>
+          <a:prstGeom prst="rect">
+            <a:avLst/>
+          </a:prstGeom>
+          <a:noFill/>
+        </p:spPr>
+        <p:txBody>
+          <a:bodyPr wrap="square">
+            <a:spAutoFit/>
+          </a:bodyPr>
+          <a:lstStyle/>
+          <a:p>
+            <a:r>
+              <a:rPr lang="pl-PL" sz="3600">
+                <a:solidFill>
+                  <a:srgbClr val="0070C0"/>
+                </a:solidFill>
+              </a:rPr>
+              <a:t>DMP </a:t>
+            </a:r>
+            <a:r>
+              <a:rPr lang="pl-PL" sz="3600" err="1">
+                <a:solidFill>
+                  <a:srgbClr val="0070C0"/>
+                </a:solidFill>
+              </a:rPr>
+              <a:t>example</a:t>
+            </a:r>
+            <a:endParaRPr lang="en-GB" sz="3600">
+              <a:solidFill>
+                <a:srgbClr val="0070C0"/>
+              </a:solidFill>
+            </a:endParaRPr>
+          </a:p>
+          <a:p>
+            <a:pPr algn="ctr"/>
+            <a:endParaRPr lang="en-GB" sz="3600">
+              <a:solidFill>
+                <a:srgbClr val="0070C0"/>
+              </a:solidFill>
+            </a:endParaRPr>
+          </a:p>
+        </p:txBody>
+      </p:sp>
+      <p:pic>
+        <p:nvPicPr>
+          <p:cNvPr id="4" name="Picture 2" descr="Ed_DaSH">
+            <a:extLst>
+              <a:ext uri="{FF2B5EF4-FFF2-40B4-BE49-F238E27FC236}">
+                <a16:creationId xmlns:a16="http://schemas.microsoft.com/office/drawing/2014/main" id="{A783256F-E39E-4712-96B0-240BD611CFEB}"/>
+              </a:ext>
+            </a:extLst>
+          </p:cNvPr>
+          <p:cNvPicPr>
+            <a:picLocks noChangeAspect="1" noChangeArrowheads="1"/>
+          </p:cNvPicPr>
+          <p:nvPr/>
+        </p:nvPicPr>
+        <p:blipFill>
+          <a:blip r:embed="rId2" cstate="hqprint">
+            <a:extLst>
+              <a:ext uri="{28A0092B-C50C-407E-A947-70E740481C1C}">
+                <a14:useLocalDpi xmlns:a14="http://schemas.microsoft.com/office/drawing/2010/main" val="0"/>
+              </a:ext>
+            </a:extLst>
+          </a:blip>
+          <a:srcRect/>
+          <a:stretch>
+            <a:fillRect/>
+          </a:stretch>
+        </p:blipFill>
+        <p:spPr bwMode="auto">
+          <a:xfrm>
+            <a:off x="10820670" y="5458691"/>
+            <a:ext cx="1289214" cy="1325418"/>
+          </a:xfrm>
+          <a:prstGeom prst="rect">
+            <a:avLst/>
+          </a:prstGeom>
+          <a:noFill/>
+          <a:extLst>
+            <a:ext uri="{909E8E84-426E-40DD-AFC4-6F175D3DCCD1}">
+              <a14:hiddenFill xmlns:a14="http://schemas.microsoft.com/office/drawing/2010/main">
+                <a:solidFill>
+                  <a:srgbClr val="FFFFFF"/>
+                </a:solidFill>
+              </a14:hiddenFill>
+            </a:ext>
+          </a:extLst>
+        </p:spPr>
+      </p:pic>
+      <p:sp>
+        <p:nvSpPr>
+          <p:cNvPr id="8" name="TextBox 4">
+            <a:extLst>
+              <a:ext uri="{FF2B5EF4-FFF2-40B4-BE49-F238E27FC236}">
+                <a16:creationId xmlns:a16="http://schemas.microsoft.com/office/drawing/2014/main" id="{2306CDBA-40E8-47EF-BA31-D30AAE7E4873}"/>
+              </a:ext>
+            </a:extLst>
+          </p:cNvPr>
+          <p:cNvSpPr txBox="1"/>
+          <p:nvPr/>
+        </p:nvSpPr>
+        <p:spPr>
+          <a:xfrm>
+            <a:off x="2911181" y="2150463"/>
+            <a:ext cx="5661319" cy="523220"/>
+          </a:xfrm>
+          <a:prstGeom prst="rect">
+            <a:avLst/>
+          </a:prstGeom>
+          <a:noFill/>
+        </p:spPr>
+        <p:txBody>
+          <a:bodyPr wrap="square">
+            <a:spAutoFit/>
+          </a:bodyPr>
+          <a:lstStyle/>
+          <a:p>
+            <a:r>
+              <a:rPr lang="en-GB" sz="2800" dirty="0">
+                <a:solidFill>
+                  <a:srgbClr val="0070C0"/>
+                </a:solidFill>
+              </a:rPr>
+              <a:t>Reusable paragraphs</a:t>
+            </a:r>
+          </a:p>
+        </p:txBody>
+      </p:sp>
+    </p:spTree>
+    <p:extLst>
+      <p:ext uri="{BB962C8B-B14F-4D97-AF65-F5344CB8AC3E}">
+        <p14:creationId xmlns:p14="http://schemas.microsoft.com/office/powerpoint/2010/main" val="1062755286"/>
+      </p:ext>
+    </p:extLst>
+  </p:cSld>
+  <p:clrMapOvr>
+    <a:masterClrMapping/>
+  </p:clrMapOvr>
+</p:sld>
+</file>
+
+<file path=ppt/slides/slide12.xml><?xml version="1.0" encoding="utf-8"?>
 <p:sld xmlns:a="http://schemas.openxmlformats.org/drawingml/2006/main" xmlns:r="http://schemas.openxmlformats.org/officeDocument/2006/relationships" xmlns:p="http://schemas.openxmlformats.org/presentationml/2006/main">
   <p:cSld>
     <p:spTree>
@@ -4255,7 +4679,7 @@
 </p:sld>
 </file>
 
-<file path=ppt/slides/slide11.xml><?xml version="1.0" encoding="utf-8"?>
+<file path=ppt/slides/slide13.xml><?xml version="1.0" encoding="utf-8"?>
 <p:sld xmlns:a="http://schemas.openxmlformats.org/drawingml/2006/main" xmlns:r="http://schemas.openxmlformats.org/officeDocument/2006/relationships" xmlns:p="http://schemas.openxmlformats.org/presentationml/2006/main">
   <p:cSld>
     <p:spTree>
@@ -4286,8 +4710,8 @@
         </p:nvSpPr>
         <p:spPr>
           <a:xfrm>
-            <a:off x="515880" y="488425"/>
-            <a:ext cx="9464530" cy="1200329"/>
+            <a:off x="1363735" y="1129464"/>
+            <a:ext cx="9464530" cy="1815882"/>
           </a:xfrm>
           <a:prstGeom prst="rect">
             <a:avLst/>
@@ -4301,30 +4725,34 @@
           <a:lstStyle/>
           <a:p>
             <a:r>
-              <a:rPr lang="pl-PL" sz="3600">
+              <a:rPr lang="en-GB" sz="2800" dirty="0">
                 <a:solidFill>
                   <a:srgbClr val="0070C0"/>
                 </a:solidFill>
               </a:rPr>
-              <a:t>DMP </a:t>
-            </a:r>
-            <a:r>
-              <a:rPr lang="pl-PL" sz="3600" err="1">
-                <a:solidFill>
-                  <a:srgbClr val="0070C0"/>
-                </a:solidFill>
-              </a:rPr>
-              <a:t>example</a:t>
-            </a:r>
-            <a:endParaRPr lang="en-GB" sz="3600">
+              <a:t>Exercise: Be a reviewer</a:t>
+            </a:r>
+          </a:p>
+          <a:p>
+            <a:endParaRPr lang="en-GB" sz="2800" dirty="0">
               <a:solidFill>
                 <a:srgbClr val="0070C0"/>
               </a:solidFill>
             </a:endParaRPr>
           </a:p>
           <a:p>
+            <a:r>
+              <a:rPr lang="en-GB" sz="2800" dirty="0">
+                <a:solidFill>
+                  <a:srgbClr val="0070C0"/>
+                </a:solidFill>
+              </a:rPr>
+              <a:t>Working in groups evaluate DMP.</a:t>
+            </a:r>
+          </a:p>
+          <a:p>
             <a:pPr algn="ctr"/>
-            <a:endParaRPr lang="en-GB" sz="3600">
+            <a:endParaRPr lang="en-GB" sz="2800" dirty="0">
               <a:solidFill>
                 <a:srgbClr val="0070C0"/>
               </a:solidFill>
@@ -4381,514 +4809,6 @@
       </p:pic>
       <p:sp>
         <p:nvSpPr>
-          <p:cNvPr id="8" name="TextBox 4">
-            <a:extLst>
-              <a:ext uri="{FF2B5EF4-FFF2-40B4-BE49-F238E27FC236}">
-                <a16:creationId xmlns:a16="http://schemas.microsoft.com/office/drawing/2014/main" id="{2306CDBA-40E8-47EF-BA31-D30AAE7E4873}"/>
-              </a:ext>
-            </a:extLst>
-          </p:cNvPr>
-          <p:cNvSpPr txBox="1"/>
-          <p:nvPr/>
-        </p:nvSpPr>
-        <p:spPr>
-          <a:xfrm>
-            <a:off x="2911181" y="2150463"/>
-            <a:ext cx="5661319" cy="523220"/>
-          </a:xfrm>
-          <a:prstGeom prst="rect">
-            <a:avLst/>
-          </a:prstGeom>
-          <a:noFill/>
-        </p:spPr>
-        <p:txBody>
-          <a:bodyPr wrap="square">
-            <a:spAutoFit/>
-          </a:bodyPr>
-          <a:lstStyle/>
-          <a:p>
-            <a:r>
-              <a:rPr lang="en-GB" sz="2800" dirty="0">
-                <a:solidFill>
-                  <a:srgbClr val="0070C0"/>
-                </a:solidFill>
-                <a:hlinkClick r:id="rId3"/>
-              </a:rPr>
-              <a:t>https://www.wiki.ed.ac.uk/x/yesNGQ</a:t>
-            </a:r>
-            <a:endParaRPr lang="en-GB" sz="2800" dirty="0">
-              <a:solidFill>
-                <a:srgbClr val="0070C0"/>
-              </a:solidFill>
-            </a:endParaRPr>
-          </a:p>
-        </p:txBody>
-      </p:sp>
-      <p:sp>
-        <p:nvSpPr>
-          <p:cNvPr id="6" name="TextBox 4">
-            <a:extLst>
-              <a:ext uri="{FF2B5EF4-FFF2-40B4-BE49-F238E27FC236}">
-                <a16:creationId xmlns:a16="http://schemas.microsoft.com/office/drawing/2014/main" id="{2306CDBA-40E8-47EF-BA31-D30AAE7E4873}"/>
-              </a:ext>
-            </a:extLst>
-          </p:cNvPr>
-          <p:cNvSpPr txBox="1"/>
-          <p:nvPr/>
-        </p:nvSpPr>
-        <p:spPr>
-          <a:xfrm>
-            <a:off x="956284" y="3981714"/>
-            <a:ext cx="10614453" cy="1815882"/>
-          </a:xfrm>
-          <a:prstGeom prst="rect">
-            <a:avLst/>
-          </a:prstGeom>
-          <a:noFill/>
-        </p:spPr>
-        <p:txBody>
-          <a:bodyPr wrap="square">
-            <a:spAutoFit/>
-          </a:bodyPr>
-          <a:lstStyle/>
-          <a:p>
-            <a:pPr marL="514350" indent="-514350">
-              <a:buAutoNum type="arabicPeriod"/>
-            </a:pPr>
-            <a:r>
-              <a:rPr lang="en-GB" sz="2800" dirty="0" smtClean="0">
-                <a:solidFill>
-                  <a:srgbClr val="0070C0"/>
-                </a:solidFill>
-              </a:rPr>
-              <a:t>What </a:t>
-            </a:r>
-            <a:r>
-              <a:rPr lang="en-GB" sz="2800" dirty="0">
-                <a:solidFill>
-                  <a:srgbClr val="0070C0"/>
-                </a:solidFill>
-              </a:rPr>
-              <a:t>type of data </a:t>
-            </a:r>
-            <a:r>
-              <a:rPr lang="en-GB" sz="2800" dirty="0" smtClean="0">
-                <a:solidFill>
-                  <a:srgbClr val="0070C0"/>
-                </a:solidFill>
-              </a:rPr>
-              <a:t>will be acquire </a:t>
-            </a:r>
-            <a:r>
-              <a:rPr lang="en-GB" sz="2800" dirty="0">
-                <a:solidFill>
-                  <a:srgbClr val="0070C0"/>
-                </a:solidFill>
-              </a:rPr>
-              <a:t>during the </a:t>
-            </a:r>
-            <a:r>
-              <a:rPr lang="en-GB" sz="2800" dirty="0" smtClean="0">
-                <a:solidFill>
-                  <a:srgbClr val="0070C0"/>
-                </a:solidFill>
-              </a:rPr>
-              <a:t>research</a:t>
-            </a:r>
-          </a:p>
-          <a:p>
-            <a:pPr marL="514350" indent="-514350">
-              <a:buAutoNum type="arabicPeriod"/>
-            </a:pPr>
-            <a:r>
-              <a:rPr lang="en-GB" sz="2800" dirty="0" smtClean="0">
-                <a:solidFill>
-                  <a:srgbClr val="0070C0"/>
-                </a:solidFill>
-              </a:rPr>
-              <a:t>How will the data be stored</a:t>
-            </a:r>
-          </a:p>
-          <a:p>
-            <a:pPr marL="514350" indent="-514350">
-              <a:buAutoNum type="arabicPeriod"/>
-            </a:pPr>
-            <a:r>
-              <a:rPr lang="en-GB" sz="2800" dirty="0" smtClean="0">
-                <a:solidFill>
-                  <a:srgbClr val="0070C0"/>
-                </a:solidFill>
-              </a:rPr>
-              <a:t>How will the data be shared  === target repositories, standards </a:t>
-            </a:r>
-            <a:endParaRPr lang="en-GB" sz="2800" dirty="0">
-              <a:solidFill>
-                <a:srgbClr val="0070C0"/>
-              </a:solidFill>
-            </a:endParaRPr>
-          </a:p>
-          <a:p>
-            <a:pPr marL="514350" indent="-514350">
-              <a:buAutoNum type="arabicPeriod"/>
-            </a:pPr>
-            <a:endParaRPr lang="en-GB" sz="2800" dirty="0">
-              <a:solidFill>
-                <a:srgbClr val="0070C0"/>
-              </a:solidFill>
-            </a:endParaRPr>
-          </a:p>
-        </p:txBody>
-      </p:sp>
-    </p:spTree>
-    <p:extLst>
-      <p:ext uri="{BB962C8B-B14F-4D97-AF65-F5344CB8AC3E}">
-        <p14:creationId xmlns:p14="http://schemas.microsoft.com/office/powerpoint/2010/main" val="216740993"/>
-      </p:ext>
-    </p:extLst>
-  </p:cSld>
-  <p:clrMapOvr>
-    <a:masterClrMapping/>
-  </p:clrMapOvr>
-</p:sld>
-</file>
-
-<file path=ppt/slides/slide12.xml><?xml version="1.0" encoding="utf-8"?>
-<p:sld xmlns:a="http://schemas.openxmlformats.org/drawingml/2006/main" xmlns:r="http://schemas.openxmlformats.org/officeDocument/2006/relationships" xmlns:p="http://schemas.openxmlformats.org/presentationml/2006/main">
-  <p:cSld>
-    <p:spTree>
-      <p:nvGrpSpPr>
-        <p:cNvPr id="1" name=""/>
-        <p:cNvGrpSpPr/>
-        <p:nvPr/>
-      </p:nvGrpSpPr>
-      <p:grpSpPr>
-        <a:xfrm>
-          <a:off x="0" y="0"/>
-          <a:ext cx="0" cy="0"/>
-          <a:chOff x="0" y="0"/>
-          <a:chExt cx="0" cy="0"/>
-        </a:xfrm>
-      </p:grpSpPr>
-      <p:sp>
-        <p:nvSpPr>
-          <p:cNvPr id="5" name="TextBox 4">
-            <a:extLst>
-              <a:ext uri="{FF2B5EF4-FFF2-40B4-BE49-F238E27FC236}">
-                <a16:creationId xmlns:a16="http://schemas.microsoft.com/office/drawing/2014/main" id="{3A7A1F5C-9C70-4DE3-BA39-7835B2935EB3}"/>
-              </a:ext>
-            </a:extLst>
-          </p:cNvPr>
-          <p:cNvSpPr txBox="1"/>
-          <p:nvPr/>
-        </p:nvSpPr>
-        <p:spPr>
-          <a:xfrm>
-            <a:off x="515880" y="488425"/>
-            <a:ext cx="9464530" cy="1200329"/>
-          </a:xfrm>
-          <a:prstGeom prst="rect">
-            <a:avLst/>
-          </a:prstGeom>
-          <a:noFill/>
-        </p:spPr>
-        <p:txBody>
-          <a:bodyPr wrap="square">
-            <a:spAutoFit/>
-          </a:bodyPr>
-          <a:lstStyle/>
-          <a:p>
-            <a:r>
-              <a:rPr lang="pl-PL" sz="3600">
-                <a:solidFill>
-                  <a:srgbClr val="0070C0"/>
-                </a:solidFill>
-              </a:rPr>
-              <a:t>DMP </a:t>
-            </a:r>
-            <a:r>
-              <a:rPr lang="pl-PL" sz="3600" err="1">
-                <a:solidFill>
-                  <a:srgbClr val="0070C0"/>
-                </a:solidFill>
-              </a:rPr>
-              <a:t>example</a:t>
-            </a:r>
-            <a:endParaRPr lang="en-GB" sz="3600">
-              <a:solidFill>
-                <a:srgbClr val="0070C0"/>
-              </a:solidFill>
-            </a:endParaRPr>
-          </a:p>
-          <a:p>
-            <a:pPr algn="ctr"/>
-            <a:endParaRPr lang="en-GB" sz="3600">
-              <a:solidFill>
-                <a:srgbClr val="0070C0"/>
-              </a:solidFill>
-            </a:endParaRPr>
-          </a:p>
-        </p:txBody>
-      </p:sp>
-      <p:pic>
-        <p:nvPicPr>
-          <p:cNvPr id="4" name="Picture 2" descr="Ed_DaSH">
-            <a:extLst>
-              <a:ext uri="{FF2B5EF4-FFF2-40B4-BE49-F238E27FC236}">
-                <a16:creationId xmlns:a16="http://schemas.microsoft.com/office/drawing/2014/main" id="{A783256F-E39E-4712-96B0-240BD611CFEB}"/>
-              </a:ext>
-            </a:extLst>
-          </p:cNvPr>
-          <p:cNvPicPr>
-            <a:picLocks noChangeAspect="1" noChangeArrowheads="1"/>
-          </p:cNvPicPr>
-          <p:nvPr/>
-        </p:nvPicPr>
-        <p:blipFill>
-          <a:blip r:embed="rId2" cstate="hqprint">
-            <a:extLst>
-              <a:ext uri="{28A0092B-C50C-407E-A947-70E740481C1C}">
-                <a14:useLocalDpi xmlns:a14="http://schemas.microsoft.com/office/drawing/2010/main" val="0"/>
-              </a:ext>
-            </a:extLst>
-          </a:blip>
-          <a:srcRect/>
-          <a:stretch>
-            <a:fillRect/>
-          </a:stretch>
-        </p:blipFill>
-        <p:spPr bwMode="auto">
-          <a:xfrm>
-            <a:off x="10820670" y="5458691"/>
-            <a:ext cx="1289214" cy="1325418"/>
-          </a:xfrm>
-          <a:prstGeom prst="rect">
-            <a:avLst/>
-          </a:prstGeom>
-          <a:noFill/>
-          <a:extLst>
-            <a:ext uri="{909E8E84-426E-40DD-AFC4-6F175D3DCCD1}">
-              <a14:hiddenFill xmlns:a14="http://schemas.microsoft.com/office/drawing/2010/main">
-                <a:solidFill>
-                  <a:srgbClr val="FFFFFF"/>
-                </a:solidFill>
-              </a14:hiddenFill>
-            </a:ext>
-          </a:extLst>
-        </p:spPr>
-      </p:pic>
-      <p:sp>
-        <p:nvSpPr>
-          <p:cNvPr id="8" name="TextBox 4">
-            <a:extLst>
-              <a:ext uri="{FF2B5EF4-FFF2-40B4-BE49-F238E27FC236}">
-                <a16:creationId xmlns:a16="http://schemas.microsoft.com/office/drawing/2014/main" id="{2306CDBA-40E8-47EF-BA31-D30AAE7E4873}"/>
-              </a:ext>
-            </a:extLst>
-          </p:cNvPr>
-          <p:cNvSpPr txBox="1"/>
-          <p:nvPr/>
-        </p:nvSpPr>
-        <p:spPr>
-          <a:xfrm>
-            <a:off x="2911181" y="2150463"/>
-            <a:ext cx="5661319" cy="523220"/>
-          </a:xfrm>
-          <a:prstGeom prst="rect">
-            <a:avLst/>
-          </a:prstGeom>
-          <a:noFill/>
-        </p:spPr>
-        <p:txBody>
-          <a:bodyPr wrap="square">
-            <a:spAutoFit/>
-          </a:bodyPr>
-          <a:lstStyle/>
-          <a:p>
-            <a:r>
-              <a:rPr lang="en-GB" sz="2800" dirty="0" smtClean="0">
-                <a:solidFill>
-                  <a:srgbClr val="0070C0"/>
-                </a:solidFill>
-              </a:rPr>
-              <a:t>Reusable paragraphs</a:t>
-            </a:r>
-            <a:endParaRPr lang="en-GB" sz="2800" dirty="0">
-              <a:solidFill>
-                <a:srgbClr val="0070C0"/>
-              </a:solidFill>
-            </a:endParaRPr>
-          </a:p>
-        </p:txBody>
-      </p:sp>
-    </p:spTree>
-    <p:extLst>
-      <p:ext uri="{BB962C8B-B14F-4D97-AF65-F5344CB8AC3E}">
-        <p14:creationId xmlns:p14="http://schemas.microsoft.com/office/powerpoint/2010/main" val="1062755286"/>
-      </p:ext>
-    </p:extLst>
-  </p:cSld>
-  <p:clrMapOvr>
-    <a:masterClrMapping/>
-  </p:clrMapOvr>
-</p:sld>
-</file>
-
-<file path=ppt/slides/slide13.xml><?xml version="1.0" encoding="utf-8"?>
-<p:sld xmlns:a="http://schemas.openxmlformats.org/drawingml/2006/main" xmlns:r="http://schemas.openxmlformats.org/officeDocument/2006/relationships" xmlns:p="http://schemas.openxmlformats.org/presentationml/2006/main">
-  <p:cSld>
-    <p:spTree>
-      <p:nvGrpSpPr>
-        <p:cNvPr id="1" name=""/>
-        <p:cNvGrpSpPr/>
-        <p:nvPr/>
-      </p:nvGrpSpPr>
-      <p:grpSpPr>
-        <a:xfrm>
-          <a:off x="0" y="0"/>
-          <a:ext cx="0" cy="0"/>
-          <a:chOff x="0" y="0"/>
-          <a:chExt cx="0" cy="0"/>
-        </a:xfrm>
-      </p:grpSpPr>
-      <p:sp>
-        <p:nvSpPr>
-          <p:cNvPr id="5" name="TextBox 4">
-            <a:extLst>
-              <a:ext uri="{FF2B5EF4-FFF2-40B4-BE49-F238E27FC236}">
-                <a16:creationId xmlns:a16="http://schemas.microsoft.com/office/drawing/2014/main" id="{3A7A1F5C-9C70-4DE3-BA39-7835B2935EB3}"/>
-              </a:ext>
-            </a:extLst>
-          </p:cNvPr>
-          <p:cNvSpPr txBox="1"/>
-          <p:nvPr/>
-        </p:nvSpPr>
-        <p:spPr>
-          <a:xfrm>
-            <a:off x="1363735" y="1129464"/>
-            <a:ext cx="9464530" cy="1815882"/>
-          </a:xfrm>
-          <a:prstGeom prst="rect">
-            <a:avLst/>
-          </a:prstGeom>
-          <a:noFill/>
-        </p:spPr>
-        <p:txBody>
-          <a:bodyPr wrap="square">
-            <a:spAutoFit/>
-          </a:bodyPr>
-          <a:lstStyle/>
-          <a:p>
-            <a:r>
-              <a:rPr lang="en-GB" sz="2800" dirty="0" smtClean="0">
-                <a:solidFill>
-                  <a:srgbClr val="0070C0"/>
-                </a:solidFill>
-              </a:rPr>
-              <a:t>Exercise: Be a reviewer</a:t>
-            </a:r>
-            <a:endParaRPr lang="en-GB" sz="2800" dirty="0">
-              <a:solidFill>
-                <a:srgbClr val="0070C0"/>
-              </a:solidFill>
-            </a:endParaRPr>
-          </a:p>
-          <a:p>
-            <a:endParaRPr lang="en-GB" sz="2800" dirty="0">
-              <a:solidFill>
-                <a:srgbClr val="0070C0"/>
-              </a:solidFill>
-            </a:endParaRPr>
-          </a:p>
-          <a:p>
-            <a:r>
-              <a:rPr lang="en-GB" sz="2800" dirty="0" smtClean="0">
-                <a:solidFill>
-                  <a:srgbClr val="0070C0"/>
-                </a:solidFill>
-              </a:rPr>
-              <a:t>Working </a:t>
-            </a:r>
-            <a:r>
-              <a:rPr lang="en-GB" sz="2800" dirty="0">
-                <a:solidFill>
-                  <a:srgbClr val="0070C0"/>
-                </a:solidFill>
-              </a:rPr>
-              <a:t>in </a:t>
-            </a:r>
-            <a:r>
-              <a:rPr lang="en-GB" sz="2800" dirty="0" smtClean="0">
-                <a:solidFill>
-                  <a:srgbClr val="0070C0"/>
-                </a:solidFill>
-              </a:rPr>
-              <a:t>groups evaluate DMP.</a:t>
-            </a:r>
-            <a:endParaRPr lang="en-GB" sz="2800" dirty="0">
-              <a:solidFill>
-                <a:srgbClr val="0070C0"/>
-              </a:solidFill>
-            </a:endParaRPr>
-          </a:p>
-          <a:p>
-            <a:pPr algn="ctr"/>
-            <a:endParaRPr lang="en-GB" sz="2800" dirty="0">
-              <a:solidFill>
-                <a:srgbClr val="0070C0"/>
-              </a:solidFill>
-            </a:endParaRPr>
-          </a:p>
-        </p:txBody>
-      </p:sp>
-      <p:pic>
-        <p:nvPicPr>
-          <p:cNvPr id="4" name="Picture 2" descr="Ed_DaSH">
-            <a:extLst>
-              <a:ext uri="{FF2B5EF4-FFF2-40B4-BE49-F238E27FC236}">
-                <a16:creationId xmlns:a16="http://schemas.microsoft.com/office/drawing/2014/main" id="{A783256F-E39E-4712-96B0-240BD611CFEB}"/>
-              </a:ext>
-            </a:extLst>
-          </p:cNvPr>
-          <p:cNvPicPr>
-            <a:picLocks noChangeAspect="1" noChangeArrowheads="1"/>
-          </p:cNvPicPr>
-          <p:nvPr/>
-        </p:nvPicPr>
-        <p:blipFill>
-          <a:blip r:embed="rId2" cstate="hqprint">
-            <a:extLst>
-              <a:ext uri="{28A0092B-C50C-407E-A947-70E740481C1C}">
-                <a14:useLocalDpi xmlns:a14="http://schemas.microsoft.com/office/drawing/2010/main" val="0"/>
-              </a:ext>
-            </a:extLst>
-          </a:blip>
-          <a:srcRect/>
-          <a:stretch>
-            <a:fillRect/>
-          </a:stretch>
-        </p:blipFill>
-        <p:spPr bwMode="auto">
-          <a:xfrm>
-            <a:off x="10820670" y="5458691"/>
-            <a:ext cx="1289214" cy="1325418"/>
-          </a:xfrm>
-          <a:prstGeom prst="rect">
-            <a:avLst/>
-          </a:prstGeom>
-          <a:noFill/>
-          <a:extLst>
-            <a:ext uri="{909E8E84-426E-40DD-AFC4-6F175D3DCCD1}">
-              <a14:hiddenFill xmlns:a14="http://schemas.microsoft.com/office/drawing/2010/main">
-                <a:solidFill>
-                  <a:srgbClr val="FFFFFF"/>
-                </a:solidFill>
-              </a14:hiddenFill>
-            </a:ext>
-          </a:extLst>
-        </p:spPr>
-      </p:pic>
-      <p:sp>
-        <p:nvSpPr>
           <p:cNvPr id="3" name="TextBox 2">
             <a:extLst>
               <a:ext uri="{FF2B5EF4-FFF2-40B4-BE49-F238E27FC236}">
@@ -4959,36 +4879,12 @@
               <a:buAutoNum type="arabicPeriod"/>
             </a:pPr>
             <a:r>
-              <a:rPr lang="en-GB" sz="2800" dirty="0" smtClean="0">
+              <a:rPr lang="en-GB" sz="2800" dirty="0">
                 <a:solidFill>
                   <a:srgbClr val="0070C0"/>
                 </a:solidFill>
               </a:rPr>
-              <a:t>does </a:t>
-            </a:r>
-            <a:r>
-              <a:rPr lang="en-GB" sz="2800" dirty="0">
-                <a:solidFill>
-                  <a:srgbClr val="0070C0"/>
-                </a:solidFill>
-              </a:rPr>
-              <a:t>it look as if the author(s) thought what they would do with their data or is it some ‘whatever’ </a:t>
-            </a:r>
-            <a:r>
-              <a:rPr lang="en-GB" sz="2800" dirty="0" smtClean="0">
-                <a:solidFill>
-                  <a:srgbClr val="0070C0"/>
-                </a:solidFill>
-              </a:rPr>
-              <a:t>copy-pasted </a:t>
-            </a:r>
-            <a:r>
-              <a:rPr lang="en-GB" sz="2800" dirty="0">
-                <a:solidFill>
-                  <a:srgbClr val="0070C0"/>
-                </a:solidFill>
-              </a:rPr>
-              <a:t>text</a:t>
+              <a:t>does it look as if the author(s) thought what they would do with their data or is it some ‘whatever’ copy-pasted text</a:t>
             </a:r>
           </a:p>
           <a:p>
@@ -4996,36 +4892,12 @@
               <a:buAutoNum type="arabicPeriod"/>
             </a:pPr>
             <a:r>
-              <a:rPr lang="en-GB" sz="2800" dirty="0" smtClean="0">
+              <a:rPr lang="en-GB" sz="2800" dirty="0">
                 <a:solidFill>
                   <a:srgbClr val="0070C0"/>
                 </a:solidFill>
               </a:rPr>
-              <a:t>does </a:t>
-            </a:r>
-            <a:r>
-              <a:rPr lang="en-GB" sz="2800" dirty="0">
-                <a:solidFill>
-                  <a:srgbClr val="0070C0"/>
-                </a:solidFill>
-              </a:rPr>
-              <a:t>it look as if the data will be stored in a </a:t>
-            </a:r>
-            <a:r>
-              <a:rPr lang="en-GB" sz="2800" dirty="0" smtClean="0">
-                <a:solidFill>
-                  <a:srgbClr val="0070C0"/>
-                </a:solidFill>
-              </a:rPr>
-              <a:t>secure </a:t>
-            </a:r>
-            <a:r>
-              <a:rPr lang="en-GB" sz="2800" dirty="0">
-                <a:solidFill>
-                  <a:srgbClr val="0070C0"/>
-                </a:solidFill>
-              </a:rPr>
-              <a:t>way</a:t>
+              <a:t>does it look as if the data will be stored in a secure way</a:t>
             </a:r>
           </a:p>
           <a:p>
@@ -5033,20 +4905,12 @@
               <a:buAutoNum type="arabicPeriod"/>
             </a:pPr>
             <a:r>
-              <a:rPr lang="en-GB" sz="2800" dirty="0" smtClean="0">
+              <a:rPr lang="en-GB" sz="2800" dirty="0">
                 <a:solidFill>
                   <a:srgbClr val="0070C0"/>
                 </a:solidFill>
               </a:rPr>
-              <a:t>does </a:t>
-            </a:r>
-            <a:r>
-              <a:rPr lang="en-GB" sz="2800" dirty="0">
-                <a:solidFill>
-                  <a:srgbClr val="0070C0"/>
-                </a:solidFill>
-              </a:rPr>
-              <a:t>it look as if the data will be shared in a FAIR way</a:t>
+              <a:t>does it look as if the data will be shared in a FAIR way</a:t>
             </a:r>
           </a:p>
           <a:p>
@@ -5054,20 +4918,12 @@
               <a:buAutoNum type="arabicPeriod"/>
             </a:pPr>
             <a:r>
-              <a:rPr lang="en-GB" sz="2800" dirty="0" smtClean="0">
+              <a:rPr lang="en-GB" sz="2800" dirty="0">
                 <a:solidFill>
                   <a:srgbClr val="0070C0"/>
                 </a:solidFill>
               </a:rPr>
-              <a:t>are </a:t>
-            </a:r>
-            <a:r>
-              <a:rPr lang="en-GB" sz="2800" dirty="0">
-                <a:solidFill>
-                  <a:srgbClr val="0070C0"/>
-                </a:solidFill>
-              </a:rPr>
-              <a:t>there any standards that should be followed</a:t>
+              <a:t>are there any standards that should be followed</a:t>
             </a:r>
           </a:p>
           <a:p>
@@ -5075,28 +4931,12 @@
               <a:buAutoNum type="arabicPeriod"/>
             </a:pPr>
             <a:r>
-              <a:rPr lang="en-GB" sz="2800" dirty="0" smtClean="0">
+              <a:rPr lang="en-GB" sz="2800" dirty="0">
                 <a:solidFill>
                   <a:srgbClr val="0070C0"/>
                 </a:solidFill>
               </a:rPr>
-              <a:t>does </a:t>
-            </a:r>
-            <a:r>
-              <a:rPr lang="en-GB" sz="2800" dirty="0">
-                <a:solidFill>
-                  <a:srgbClr val="0070C0"/>
-                </a:solidFill>
-              </a:rPr>
-              <a:t>it look as if the data will be made accessible / findable to others for </a:t>
-            </a:r>
-            <a:r>
-              <a:rPr lang="en-GB" sz="2800" dirty="0" smtClean="0">
-                <a:solidFill>
-                  <a:srgbClr val="0070C0"/>
-                </a:solidFill>
-              </a:rPr>
-              <a:t>re-use</a:t>
+              <a:t>does it look as if the data will be made accessible / findable to others for re-use</a:t>
             </a:r>
           </a:p>
           <a:p>
@@ -5104,34 +4944,13 @@
               <a:buAutoNum type="arabicPeriod"/>
             </a:pPr>
             <a:r>
-              <a:rPr lang="en-GB" sz="2800" dirty="0" smtClean="0">
+              <a:rPr lang="en-GB" sz="2800" dirty="0">
                 <a:solidFill>
                   <a:srgbClr val="0070C0"/>
                 </a:solidFill>
               </a:rPr>
-              <a:t>are </a:t>
-            </a:r>
-            <a:r>
-              <a:rPr lang="en-GB" sz="2800" dirty="0">
-                <a:solidFill>
-                  <a:srgbClr val="0070C0"/>
-                </a:solidFill>
-              </a:rPr>
-              <a:t>the usage restrictions </a:t>
-            </a:r>
-            <a:r>
-              <a:rPr lang="en-GB" sz="2800" dirty="0" smtClean="0">
-                <a:solidFill>
-                  <a:srgbClr val="0070C0"/>
-                </a:solidFill>
-              </a:rPr>
-              <a:t>justified</a:t>
-            </a:r>
-            <a:endParaRPr lang="en-GB" sz="2800" dirty="0">
-              <a:solidFill>
-                <a:srgbClr val="0070C0"/>
-              </a:solidFill>
-            </a:endParaRPr>
+              <a:t>are the usage restrictions justified</a:t>
+            </a:r>
           </a:p>
           <a:p>
             <a:pPr marL="514350" indent="-514350">
@@ -5266,7 +5085,7 @@
               <a:t>Show that you are thinking about what will happen with </a:t>
             </a:r>
             <a:r>
-              <a:rPr lang="pl-PL" sz="2000" dirty="0" smtClean="0">
+              <a:rPr lang="pl-PL" sz="2000" dirty="0">
                 <a:solidFill>
                   <a:srgbClr val="333333"/>
                 </a:solidFill>
@@ -5274,20 +5093,12 @@
               <a:t>the generated</a:t>
             </a:r>
             <a:r>
-              <a:rPr lang="en-GB" sz="2000" dirty="0" smtClean="0">
+              <a:rPr lang="en-GB" sz="2000" dirty="0">
                 <a:solidFill>
                   <a:srgbClr val="333333"/>
                 </a:solidFill>
               </a:rPr>
-              <a:t> </a:t>
-            </a:r>
-            <a:r>
-              <a:rPr lang="en-GB" sz="2000" dirty="0">
-                <a:solidFill>
-                  <a:srgbClr val="333333"/>
-                </a:solidFill>
-              </a:rPr>
-              <a:t>data during and after the project. </a:t>
+              <a:t> data during and after the project. </a:t>
             </a:r>
           </a:p>
           <a:p>
@@ -5307,7 +5118,7 @@
               <a:t>How </a:t>
             </a:r>
             <a:r>
-              <a:rPr lang="pl-PL" sz="2000" dirty="0" smtClean="0">
+              <a:rPr lang="pl-PL" sz="2000" dirty="0">
                 <a:solidFill>
                   <a:srgbClr val="333333"/>
                 </a:solidFill>
@@ -5315,20 +5126,12 @@
               <a:t>the project</a:t>
             </a:r>
             <a:r>
-              <a:rPr lang="en-GB" sz="2000" dirty="0" smtClean="0">
+              <a:rPr lang="en-GB" sz="2000" dirty="0">
                 <a:solidFill>
                   <a:srgbClr val="333333"/>
                 </a:solidFill>
               </a:rPr>
-              <a:t> </a:t>
-            </a:r>
-            <a:r>
-              <a:rPr lang="en-GB" sz="2000" dirty="0">
-                <a:solidFill>
-                  <a:srgbClr val="333333"/>
-                </a:solidFill>
-              </a:rPr>
-              <a:t>data is going to be FAIR.</a:t>
+              <a:t> data is going to be FAIR.</a:t>
             </a:r>
           </a:p>
         </p:txBody>
@@ -5489,21 +5292,8 @@
                   <a:srgbClr val="0070C0"/>
                 </a:solidFill>
               </a:rPr>
-              <a:t>Data Management </a:t>
-            </a:r>
-            <a:r>
-              <a:rPr lang="en-GB" sz="4000" dirty="0" smtClean="0">
-                <a:solidFill>
-                  <a:srgbClr val="0070C0"/>
-                </a:solidFill>
-              </a:rPr>
-              <a:t>Plan</a:t>
-            </a:r>
-            <a:endParaRPr lang="en-GB" sz="4000" dirty="0">
-              <a:solidFill>
-                <a:srgbClr val="0070C0"/>
-              </a:solidFill>
-            </a:endParaRPr>
+              <a:t>Data Management Plan</a:t>
+            </a:r>
           </a:p>
         </p:txBody>
       </p:sp>
@@ -5528,7 +5318,7 @@
                 <a14:useLocalDpi xmlns:a14="http://schemas.microsoft.com/office/drawing/2010/main" val="0"/>
               </a:ext>
               <a:ext uri="{96DAC541-7B7A-43D3-8B79-37D633B846F1}">
-                <asvg:svgBlip xmlns:asvg="http://schemas.microsoft.com/office/drawing/2016/SVG/main" xmlns="" r:embed="rId4"/>
+                <asvg:svgBlip xmlns:asvg="http://schemas.microsoft.com/office/drawing/2016/SVG/main" r:embed="rId4"/>
               </a:ext>
             </a:extLst>
           </a:blip>
@@ -5651,7 +5441,7 @@
           <a:effectLst/>
           <a:extLst>
             <a:ext uri="{AF507438-7753-43e0-B8FC-AC1667EBCBE1}">
-              <a14:hiddenEffects xmlns="" xmlns:a14="http://schemas.microsoft.com/office/drawing/2010/main">
+              <a14:hiddenEffects xmlns:a14="http://schemas.microsoft.com/office/drawing/2010/main" xmlns="">
                 <a:effectLst>
                   <a:outerShdw dist="35921" dir="2700000" algn="ctr" rotWithShape="0">
                     <a:schemeClr val="bg2"/>
@@ -5982,7 +5772,7 @@
             <a:effectLst/>
             <a:extLst>
               <a:ext uri="{AF507438-7753-43e0-B8FC-AC1667EBCBE1}">
-                <a14:hiddenEffects xmlns="" xmlns:a14="http://schemas.microsoft.com/office/drawing/2010/main">
+                <a14:hiddenEffects xmlns:a14="http://schemas.microsoft.com/office/drawing/2010/main" xmlns="">
                   <a:effectLst>
                     <a:outerShdw dist="35921" dir="2700000" algn="ctr" rotWithShape="0">
                       <a:schemeClr val="bg2"/>
@@ -6044,7 +5834,7 @@
             <a:effectLst/>
             <a:extLst>
               <a:ext uri="{AF507438-7753-43e0-B8FC-AC1667EBCBE1}">
-                <a14:hiddenEffects xmlns="" xmlns:a14="http://schemas.microsoft.com/office/drawing/2010/main">
+                <a14:hiddenEffects xmlns:a14="http://schemas.microsoft.com/office/drawing/2010/main" xmlns="">
                   <a:effectLst>
                     <a:outerShdw dist="35921" dir="2700000" algn="ctr" rotWithShape="0">
                       <a:schemeClr val="bg2"/>
@@ -6121,7 +5911,7 @@
             <a:effectLst/>
             <a:extLst>
               <a:ext uri="{AF507438-7753-43e0-B8FC-AC1667EBCBE1}">
-                <a14:hiddenEffects xmlns="" xmlns:a14="http://schemas.microsoft.com/office/drawing/2010/main">
+                <a14:hiddenEffects xmlns:a14="http://schemas.microsoft.com/office/drawing/2010/main" xmlns="">
                   <a:effectLst>
                     <a:outerShdw dist="35921" dir="2700000" algn="ctr" rotWithShape="0">
                       <a:schemeClr val="bg2"/>
@@ -6183,7 +5973,7 @@
             <a:effectLst/>
             <a:extLst>
               <a:ext uri="{AF507438-7753-43e0-B8FC-AC1667EBCBE1}">
-                <a14:hiddenEffects xmlns="" xmlns:a14="http://schemas.microsoft.com/office/drawing/2010/main">
+                <a14:hiddenEffects xmlns:a14="http://schemas.microsoft.com/office/drawing/2010/main" xmlns="">
                   <a:effectLst>
                     <a:outerShdw dist="35921" dir="2700000" algn="ctr" rotWithShape="0">
                       <a:schemeClr val="bg2"/>
@@ -7416,7 +7206,7 @@
           <a:effectLst/>
           <a:extLst>
             <a:ext uri="{AF507438-7753-43e0-B8FC-AC1667EBCBE1}">
-              <a14:hiddenEffects xmlns="" xmlns:a14="http://schemas.microsoft.com/office/drawing/2010/main">
+              <a14:hiddenEffects xmlns:a14="http://schemas.microsoft.com/office/drawing/2010/main" xmlns="">
                 <a:effectLst>
                   <a:outerShdw dist="35921" dir="2700000" algn="ctr" rotWithShape="0">
                     <a:schemeClr val="bg2"/>
@@ -7884,18 +7674,13 @@
           <a:lstStyle/>
           <a:p>
             <a:r>
-              <a:rPr lang="en-GB" dirty="0" smtClean="0">
+              <a:rPr lang="en-GB" dirty="0">
                 <a:solidFill>
                   <a:srgbClr val="0070C0"/>
                 </a:solidFill>
               </a:rPr>
               <a:t>There is a lot to learn</a:t>
             </a:r>
-            <a:endParaRPr lang="en-GB" dirty="0">
-              <a:solidFill>
-                <a:srgbClr val="0070C0"/>
-              </a:solidFill>
-            </a:endParaRPr>
           </a:p>
         </p:txBody>
       </p:sp>
@@ -8005,7 +7790,7 @@
           </a:p>
           <a:p>
             <a:r>
-              <a:rPr lang="pl-PL" sz="2400" dirty="0" smtClean="0">
+              <a:rPr lang="pl-PL" sz="2400" dirty="0">
                 <a:solidFill>
                   <a:srgbClr val="0070C0"/>
                 </a:solidFill>
@@ -8902,20 +8687,8 @@
               <a:buChar char="•"/>
             </a:pPr>
             <a:r>
-              <a:rPr lang="en-GB" sz="2000" dirty="0" smtClean="0"/>
-              <a:t>Data </a:t>
-            </a:r>
-            <a:r>
               <a:rPr lang="en-GB" sz="2000" dirty="0"/>
-              <a:t>is the basis for research papers and </a:t>
-            </a:r>
-            <a:r>
-              <a:rPr lang="en-GB" sz="2000" dirty="0" smtClean="0"/>
-              <a:t>theses</a:t>
-            </a:r>
-            <a:r>
-              <a:rPr lang="en-GB" sz="2000" dirty="0"/>
-              <a:t>.</a:t>
+              <a:t>Data is the basis for research papers and theses.</a:t>
             </a:r>
           </a:p>
           <a:p>
@@ -8925,21 +8698,8 @@
             </a:pPr>
             <a:r>
               <a:rPr lang="en-GB" sz="2000" dirty="0"/>
-              <a:t>Data is fragile and easily lost. </a:t>
-            </a:r>
-            <a:r>
-              <a:rPr lang="en-GB" sz="2000" dirty="0" smtClean="0"/>
-              <a:t>Data needs </a:t>
-            </a:r>
-            <a:r>
-              <a:rPr lang="en-GB" sz="2000" dirty="0"/>
-              <a:t>to </a:t>
-            </a:r>
-            <a:r>
-              <a:rPr lang="en-GB" sz="2000" dirty="0" smtClean="0"/>
-              <a:t>be backed up</a:t>
-            </a:r>
-            <a:endParaRPr lang="en-GB" sz="2000" dirty="0"/>
+              <a:t>Data is fragile and easily lost. Data needs to be backed up</a:t>
+            </a:r>
           </a:p>
           <a:p>
             <a:pPr marL="285750" indent="-285750">
@@ -8957,7 +8717,7 @@
               <a:buChar char="•"/>
             </a:pPr>
             <a:r>
-              <a:rPr lang="en-GB" sz="2000" dirty="0" smtClean="0"/>
+              <a:rPr lang="en-GB" sz="2000" dirty="0"/>
               <a:t>There are costs involved in data management</a:t>
             </a:r>
           </a:p>
@@ -9104,18 +8864,13 @@
           <a:lstStyle/>
           <a:p>
             <a:r>
-              <a:rPr lang="en-GB" dirty="0" smtClean="0">
+              <a:rPr lang="en-GB" dirty="0">
                 <a:solidFill>
                   <a:srgbClr val="0070C0"/>
                 </a:solidFill>
               </a:rPr>
               <a:t>Two flavours of DMP: for Grants and Internal</a:t>
             </a:r>
-            <a:endParaRPr lang="en-GB" dirty="0">
-              <a:solidFill>
-                <a:srgbClr val="0070C0"/>
-              </a:solidFill>
-            </a:endParaRPr>
           </a:p>
         </p:txBody>
       </p:sp>
@@ -9143,78 +8898,53 @@
               <a:buNone/>
             </a:pPr>
             <a:r>
-              <a:rPr lang="en-GB" dirty="0" smtClean="0">
+              <a:rPr lang="en-GB" dirty="0">
                 <a:solidFill>
                   <a:srgbClr val="0070C0"/>
                 </a:solidFill>
               </a:rPr>
               <a:t>Grant application DMP</a:t>
             </a:r>
-            <a:endParaRPr lang="en-GB" dirty="0">
-              <a:solidFill>
-                <a:srgbClr val="0070C0"/>
-              </a:solidFill>
-            </a:endParaRPr>
-          </a:p>
-          <a:p>
-            <a:r>
-              <a:rPr lang="en-GB" dirty="0" smtClean="0">
+          </a:p>
+          <a:p>
+            <a:r>
+              <a:rPr lang="en-GB" dirty="0">
                 <a:solidFill>
                   <a:srgbClr val="0070C0"/>
                 </a:solidFill>
               </a:rPr>
               <a:t>focus on Reuse =&gt; FAIR</a:t>
             </a:r>
-            <a:endParaRPr lang="en-GB" dirty="0">
-              <a:solidFill>
-                <a:srgbClr val="0070C0"/>
-              </a:solidFill>
-            </a:endParaRPr>
-          </a:p>
-          <a:p>
-            <a:r>
-              <a:rPr lang="en-GB" dirty="0" smtClean="0">
+          </a:p>
+          <a:p>
+            <a:r>
+              <a:rPr lang="en-GB" dirty="0">
                 <a:solidFill>
                   <a:srgbClr val="0070C0"/>
                 </a:solidFill>
               </a:rPr>
               <a:t>safety of the data </a:t>
             </a:r>
-            <a:endParaRPr lang="en-GB" dirty="0">
-              <a:solidFill>
-                <a:srgbClr val="0070C0"/>
-              </a:solidFill>
-            </a:endParaRPr>
-          </a:p>
-          <a:p>
-            <a:r>
-              <a:rPr lang="en-GB" dirty="0" smtClean="0">
+          </a:p>
+          <a:p>
+            <a:r>
+              <a:rPr lang="en-GB" dirty="0">
                 <a:solidFill>
                   <a:srgbClr val="0070C0"/>
                 </a:solidFill>
               </a:rPr>
               <a:t>limitation to sharing</a:t>
             </a:r>
-            <a:endParaRPr lang="en-GB" dirty="0">
-              <a:solidFill>
-                <a:srgbClr val="0070C0"/>
-              </a:solidFill>
-            </a:endParaRPr>
-          </a:p>
-          <a:p>
-            <a:r>
-              <a:rPr lang="en-GB" dirty="0" smtClean="0">
+          </a:p>
+          <a:p>
+            <a:r>
+              <a:rPr lang="en-GB" dirty="0">
                 <a:solidFill>
                   <a:srgbClr val="0070C0"/>
                 </a:solidFill>
               </a:rPr>
               <a:t>allocation of resources</a:t>
             </a:r>
-            <a:endParaRPr lang="en-GB" dirty="0">
-              <a:solidFill>
-                <a:srgbClr val="0070C0"/>
-              </a:solidFill>
-            </a:endParaRPr>
           </a:p>
           <a:p>
             <a:pPr marL="0" indent="0">
@@ -9421,31 +9151,27 @@
               <a:buNone/>
             </a:pPr>
             <a:r>
-              <a:rPr lang="en-GB" dirty="0" smtClean="0"/>
+              <a:rPr lang="en-GB" dirty="0"/>
               <a:t>Project DMP</a:t>
             </a:r>
-            <a:endParaRPr lang="en-GB" dirty="0"/>
-          </a:p>
-          <a:p>
-            <a:r>
-              <a:rPr lang="en-GB" dirty="0" smtClean="0"/>
+          </a:p>
+          <a:p>
+            <a:r>
+              <a:rPr lang="en-GB" dirty="0"/>
               <a:t>focus on your productivity and achieving FAIR</a:t>
             </a:r>
-            <a:endParaRPr lang="en-GB" dirty="0"/>
-          </a:p>
-          <a:p>
-            <a:r>
-              <a:rPr lang="en-GB" dirty="0" smtClean="0"/>
+          </a:p>
+          <a:p>
+            <a:r>
+              <a:rPr lang="en-GB" dirty="0"/>
               <a:t>safety of the data  </a:t>
             </a:r>
-            <a:endParaRPr lang="en-GB" dirty="0"/>
-          </a:p>
-          <a:p>
-            <a:r>
-              <a:rPr lang="en-GB" dirty="0" smtClean="0"/>
+          </a:p>
+          <a:p>
+            <a:r>
+              <a:rPr lang="en-GB" dirty="0"/>
               <a:t>technicalities: file naming conventions, folder structures, templates for experiments, how you link to ELN ….</a:t>
             </a:r>
-            <a:endParaRPr lang="en-GB" dirty="0"/>
           </a:p>
           <a:p>
             <a:endParaRPr lang="en-GB" dirty="0"/>
@@ -9848,386 +9574,6 @@
   <p:clrMapOvr>
     <a:masterClrMapping/>
   </p:clrMapOvr>
-  <p:timing>
-    <p:tnLst>
-      <p:par>
-        <p:cTn id="1" dur="indefinite" restart="never" nodeType="tmRoot">
-          <p:childTnLst>
-            <p:seq concurrent="1" nextAc="seek">
-              <p:cTn id="2" dur="indefinite" nodeType="mainSeq">
-                <p:childTnLst>
-                  <p:par>
-                    <p:cTn id="3" fill="hold">
-                      <p:stCondLst>
-                        <p:cond delay="indefinite"/>
-                      </p:stCondLst>
-                      <p:childTnLst>
-                        <p:par>
-                          <p:cTn id="4" fill="hold">
-                            <p:stCondLst>
-                              <p:cond delay="0"/>
-                            </p:stCondLst>
-                            <p:childTnLst>
-                              <p:par>
-                                <p:cTn id="5" presetID="10" presetClass="entr" presetSubtype="0" fill="hold" grpId="0" nodeType="clickEffect">
-                                  <p:stCondLst>
-                                    <p:cond delay="0"/>
-                                  </p:stCondLst>
-                                  <p:childTnLst>
-                                    <p:set>
-                                      <p:cBhvr>
-                                        <p:cTn id="6" dur="1" fill="hold">
-                                          <p:stCondLst>
-                                            <p:cond delay="0"/>
-                                          </p:stCondLst>
-                                        </p:cTn>
-                                        <p:tgtEl>
-                                          <p:spTgt spid="8"/>
-                                        </p:tgtEl>
-                                        <p:attrNameLst>
-                                          <p:attrName>style.visibility</p:attrName>
-                                        </p:attrNameLst>
-                                      </p:cBhvr>
-                                      <p:to>
-                                        <p:strVal val="visible"/>
-                                      </p:to>
-                                    </p:set>
-                                    <p:animEffect transition="in" filter="fade">
-                                      <p:cBhvr>
-                                        <p:cTn id="7" dur="500"/>
-                                        <p:tgtEl>
-                                          <p:spTgt spid="8"/>
-                                        </p:tgtEl>
-                                      </p:cBhvr>
-                                    </p:animEffect>
-                                  </p:childTnLst>
-                                </p:cTn>
-                              </p:par>
-                            </p:childTnLst>
-                          </p:cTn>
-                        </p:par>
-                      </p:childTnLst>
-                    </p:cTn>
-                  </p:par>
-                  <p:par>
-                    <p:cTn id="8" fill="hold">
-                      <p:stCondLst>
-                        <p:cond delay="indefinite"/>
-                      </p:stCondLst>
-                      <p:childTnLst>
-                        <p:par>
-                          <p:cTn id="9" fill="hold">
-                            <p:stCondLst>
-                              <p:cond delay="0"/>
-                            </p:stCondLst>
-                            <p:childTnLst>
-                              <p:par>
-                                <p:cTn id="10" presetID="1" presetClass="entr" presetSubtype="0" fill="hold" grpId="0" nodeType="clickEffect">
-                                  <p:stCondLst>
-                                    <p:cond delay="0"/>
-                                  </p:stCondLst>
-                                  <p:childTnLst>
-                                    <p:set>
-                                      <p:cBhvr>
-                                        <p:cTn id="11" dur="1" fill="hold">
-                                          <p:stCondLst>
-                                            <p:cond delay="0"/>
-                                          </p:stCondLst>
-                                        </p:cTn>
-                                        <p:tgtEl>
-                                          <p:spTgt spid="13"/>
-                                        </p:tgtEl>
-                                        <p:attrNameLst>
-                                          <p:attrName>style.visibility</p:attrName>
-                                        </p:attrNameLst>
-                                      </p:cBhvr>
-                                      <p:to>
-                                        <p:strVal val="visible"/>
-                                      </p:to>
-                                    </p:set>
-                                  </p:childTnLst>
-                                </p:cTn>
-                              </p:par>
-                              <p:par>
-                                <p:cTn id="12" presetID="1" presetClass="entr" presetSubtype="0" fill="hold" nodeType="withEffect">
-                                  <p:stCondLst>
-                                    <p:cond delay="0"/>
-                                  </p:stCondLst>
-                                  <p:childTnLst>
-                                    <p:set>
-                                      <p:cBhvr>
-                                        <p:cTn id="13" dur="1" fill="hold">
-                                          <p:stCondLst>
-                                            <p:cond delay="0"/>
-                                          </p:stCondLst>
-                                        </p:cTn>
-                                        <p:tgtEl>
-                                          <p:spTgt spid="12">
-                                            <p:txEl>
-                                              <p:pRg st="0" end="0"/>
-                                            </p:txEl>
-                                          </p:spTgt>
-                                        </p:tgtEl>
-                                        <p:attrNameLst>
-                                          <p:attrName>style.visibility</p:attrName>
-                                        </p:attrNameLst>
-                                      </p:cBhvr>
-                                      <p:to>
-                                        <p:strVal val="visible"/>
-                                      </p:to>
-                                    </p:set>
-                                  </p:childTnLst>
-                                </p:cTn>
-                              </p:par>
-                              <p:par>
-                                <p:cTn id="14" presetID="1" presetClass="entr" presetSubtype="0" fill="hold" nodeType="withEffect">
-                                  <p:stCondLst>
-                                    <p:cond delay="0"/>
-                                  </p:stCondLst>
-                                  <p:childTnLst>
-                                    <p:set>
-                                      <p:cBhvr>
-                                        <p:cTn id="15" dur="1" fill="hold">
-                                          <p:stCondLst>
-                                            <p:cond delay="0"/>
-                                          </p:stCondLst>
-                                        </p:cTn>
-                                        <p:tgtEl>
-                                          <p:spTgt spid="12">
-                                            <p:txEl>
-                                              <p:pRg st="1" end="1"/>
-                                            </p:txEl>
-                                          </p:spTgt>
-                                        </p:tgtEl>
-                                        <p:attrNameLst>
-                                          <p:attrName>style.visibility</p:attrName>
-                                        </p:attrNameLst>
-                                      </p:cBhvr>
-                                      <p:to>
-                                        <p:strVal val="visible"/>
-                                      </p:to>
-                                    </p:set>
-                                  </p:childTnLst>
-                                </p:cTn>
-                              </p:par>
-                              <p:par>
-                                <p:cTn id="16" presetID="1" presetClass="entr" presetSubtype="0" fill="hold" nodeType="withEffect">
-                                  <p:stCondLst>
-                                    <p:cond delay="0"/>
-                                  </p:stCondLst>
-                                  <p:childTnLst>
-                                    <p:set>
-                                      <p:cBhvr>
-                                        <p:cTn id="17" dur="1" fill="hold">
-                                          <p:stCondLst>
-                                            <p:cond delay="0"/>
-                                          </p:stCondLst>
-                                        </p:cTn>
-                                        <p:tgtEl>
-                                          <p:spTgt spid="12">
-                                            <p:txEl>
-                                              <p:pRg st="2" end="2"/>
-                                            </p:txEl>
-                                          </p:spTgt>
-                                        </p:tgtEl>
-                                        <p:attrNameLst>
-                                          <p:attrName>style.visibility</p:attrName>
-                                        </p:attrNameLst>
-                                      </p:cBhvr>
-                                      <p:to>
-                                        <p:strVal val="visible"/>
-                                      </p:to>
-                                    </p:set>
-                                  </p:childTnLst>
-                                </p:cTn>
-                              </p:par>
-                              <p:par>
-                                <p:cTn id="18" presetID="1" presetClass="entr" presetSubtype="0" fill="hold" nodeType="withEffect">
-                                  <p:stCondLst>
-                                    <p:cond delay="0"/>
-                                  </p:stCondLst>
-                                  <p:childTnLst>
-                                    <p:set>
-                                      <p:cBhvr>
-                                        <p:cTn id="19" dur="1" fill="hold">
-                                          <p:stCondLst>
-                                            <p:cond delay="0"/>
-                                          </p:stCondLst>
-                                        </p:cTn>
-                                        <p:tgtEl>
-                                          <p:spTgt spid="12">
-                                            <p:txEl>
-                                              <p:pRg st="3" end="3"/>
-                                            </p:txEl>
-                                          </p:spTgt>
-                                        </p:tgtEl>
-                                        <p:attrNameLst>
-                                          <p:attrName>style.visibility</p:attrName>
-                                        </p:attrNameLst>
-                                      </p:cBhvr>
-                                      <p:to>
-                                        <p:strVal val="visible"/>
-                                      </p:to>
-                                    </p:set>
-                                  </p:childTnLst>
-                                </p:cTn>
-                              </p:par>
-                              <p:par>
-                                <p:cTn id="20" presetID="1" presetClass="entr" presetSubtype="0" fill="hold" nodeType="withEffect">
-                                  <p:stCondLst>
-                                    <p:cond delay="0"/>
-                                  </p:stCondLst>
-                                  <p:childTnLst>
-                                    <p:set>
-                                      <p:cBhvr>
-                                        <p:cTn id="21" dur="1" fill="hold">
-                                          <p:stCondLst>
-                                            <p:cond delay="0"/>
-                                          </p:stCondLst>
-                                        </p:cTn>
-                                        <p:tgtEl>
-                                          <p:spTgt spid="12">
-                                            <p:txEl>
-                                              <p:pRg st="4" end="4"/>
-                                            </p:txEl>
-                                          </p:spTgt>
-                                        </p:tgtEl>
-                                        <p:attrNameLst>
-                                          <p:attrName>style.visibility</p:attrName>
-                                        </p:attrNameLst>
-                                      </p:cBhvr>
-                                      <p:to>
-                                        <p:strVal val="visible"/>
-                                      </p:to>
-                                    </p:set>
-                                  </p:childTnLst>
-                                </p:cTn>
-                              </p:par>
-                              <p:par>
-                                <p:cTn id="22" presetID="1" presetClass="entr" presetSubtype="0" fill="hold" nodeType="withEffect">
-                                  <p:stCondLst>
-                                    <p:cond delay="0"/>
-                                  </p:stCondLst>
-                                  <p:childTnLst>
-                                    <p:set>
-                                      <p:cBhvr>
-                                        <p:cTn id="23" dur="1" fill="hold">
-                                          <p:stCondLst>
-                                            <p:cond delay="0"/>
-                                          </p:stCondLst>
-                                        </p:cTn>
-                                        <p:tgtEl>
-                                          <p:spTgt spid="12">
-                                            <p:txEl>
-                                              <p:pRg st="5" end="5"/>
-                                            </p:txEl>
-                                          </p:spTgt>
-                                        </p:tgtEl>
-                                        <p:attrNameLst>
-                                          <p:attrName>style.visibility</p:attrName>
-                                        </p:attrNameLst>
-                                      </p:cBhvr>
-                                      <p:to>
-                                        <p:strVal val="visible"/>
-                                      </p:to>
-                                    </p:set>
-                                  </p:childTnLst>
-                                </p:cTn>
-                              </p:par>
-                              <p:par>
-                                <p:cTn id="24" presetID="1" presetClass="entr" presetSubtype="0" fill="hold" nodeType="withEffect">
-                                  <p:stCondLst>
-                                    <p:cond delay="0"/>
-                                  </p:stCondLst>
-                                  <p:childTnLst>
-                                    <p:set>
-                                      <p:cBhvr>
-                                        <p:cTn id="25" dur="1" fill="hold">
-                                          <p:stCondLst>
-                                            <p:cond delay="0"/>
-                                          </p:stCondLst>
-                                        </p:cTn>
-                                        <p:tgtEl>
-                                          <p:spTgt spid="12">
-                                            <p:txEl>
-                                              <p:pRg st="6" end="6"/>
-                                            </p:txEl>
-                                          </p:spTgt>
-                                        </p:tgtEl>
-                                        <p:attrNameLst>
-                                          <p:attrName>style.visibility</p:attrName>
-                                        </p:attrNameLst>
-                                      </p:cBhvr>
-                                      <p:to>
-                                        <p:strVal val="visible"/>
-                                      </p:to>
-                                    </p:set>
-                                  </p:childTnLst>
-                                </p:cTn>
-                              </p:par>
-                              <p:par>
-                                <p:cTn id="26" presetID="1" presetClass="entr" presetSubtype="0" fill="hold" nodeType="withEffect">
-                                  <p:stCondLst>
-                                    <p:cond delay="0"/>
-                                  </p:stCondLst>
-                                  <p:childTnLst>
-                                    <p:set>
-                                      <p:cBhvr>
-                                        <p:cTn id="27" dur="1" fill="hold">
-                                          <p:stCondLst>
-                                            <p:cond delay="0"/>
-                                          </p:stCondLst>
-                                        </p:cTn>
-                                        <p:tgtEl>
-                                          <p:spTgt spid="12">
-                                            <p:txEl>
-                                              <p:pRg st="7" end="7"/>
-                                            </p:txEl>
-                                          </p:spTgt>
-                                        </p:tgtEl>
-                                        <p:attrNameLst>
-                                          <p:attrName>style.visibility</p:attrName>
-                                        </p:attrNameLst>
-                                      </p:cBhvr>
-                                      <p:to>
-                                        <p:strVal val="visible"/>
-                                      </p:to>
-                                    </p:set>
-                                  </p:childTnLst>
-                                </p:cTn>
-                              </p:par>
-                            </p:childTnLst>
-                          </p:cTn>
-                        </p:par>
-                      </p:childTnLst>
-                    </p:cTn>
-                  </p:par>
-                </p:childTnLst>
-              </p:cTn>
-              <p:prevCondLst>
-                <p:cond evt="onPrev" delay="0">
-                  <p:tgtEl>
-                    <p:sldTgt/>
-                  </p:tgtEl>
-                </p:cond>
-              </p:prevCondLst>
-              <p:nextCondLst>
-                <p:cond evt="onNext" delay="0">
-                  <p:tgtEl>
-                    <p:sldTgt/>
-                  </p:tgtEl>
-                </p:cond>
-              </p:nextCondLst>
-            </p:seq>
-          </p:childTnLst>
-        </p:cTn>
-      </p:par>
-    </p:tnLst>
-    <p:bldLst>
-      <p:bldP spid="8" grpId="0" animBg="1"/>
-      <p:bldP spid="13" grpId="0" animBg="1"/>
-    </p:bldLst>
-  </p:timing>
 </p:sld>
 </file>
 
